--- a/chpt6. 비나공_딥러닝(LSTM).pptx
+++ b/chpt6. 비나공_딥러닝(LSTM).pptx
@@ -778,7 +778,7 @@
           <a:p>
             <a:fld id="{8BFA17A6-FF3B-4E01-B952-AA93C898FF18}" type="datetimeFigureOut">
               <a:rPr lang="ko-KR" altLang="en-US" smtClean="0"/>
-              <a:t>2019-07-28</a:t>
+              <a:t>2019-10-01</a:t>
             </a:fld>
             <a:endParaRPr lang="ko-KR" altLang="en-US"/>
           </a:p>
@@ -961,7 +961,7 @@
           <a:p>
             <a:fld id="{8BFA17A6-FF3B-4E01-B952-AA93C898FF18}" type="datetimeFigureOut">
               <a:rPr lang="ko-KR" altLang="en-US" smtClean="0"/>
-              <a:t>2019-07-28</a:t>
+              <a:t>2019-10-01</a:t>
             </a:fld>
             <a:endParaRPr lang="ko-KR" altLang="en-US"/>
           </a:p>
@@ -1136,7 +1136,7 @@
           <a:p>
             <a:fld id="{8BFA17A6-FF3B-4E01-B952-AA93C898FF18}" type="datetimeFigureOut">
               <a:rPr lang="ko-KR" altLang="en-US" smtClean="0"/>
-              <a:t>2019-07-28</a:t>
+              <a:t>2019-10-01</a:t>
             </a:fld>
             <a:endParaRPr lang="ko-KR" altLang="en-US"/>
           </a:p>
@@ -1301,7 +1301,7 @@
           <a:p>
             <a:fld id="{8BFA17A6-FF3B-4E01-B952-AA93C898FF18}" type="datetimeFigureOut">
               <a:rPr lang="ko-KR" altLang="en-US" smtClean="0"/>
-              <a:t>2019-07-28</a:t>
+              <a:t>2019-10-01</a:t>
             </a:fld>
             <a:endParaRPr lang="ko-KR" altLang="en-US"/>
           </a:p>
@@ -1522,7 +1522,7 @@
           <a:p>
             <a:fld id="{8BFA17A6-FF3B-4E01-B952-AA93C898FF18}" type="datetimeFigureOut">
               <a:rPr lang="ko-KR" altLang="en-US" smtClean="0"/>
-              <a:t>2019-07-28</a:t>
+              <a:t>2019-10-01</a:t>
             </a:fld>
             <a:endParaRPr lang="ko-KR" altLang="en-US"/>
           </a:p>
@@ -1781,7 +1781,7 @@
           <a:p>
             <a:fld id="{8BFA17A6-FF3B-4E01-B952-AA93C898FF18}" type="datetimeFigureOut">
               <a:rPr lang="ko-KR" altLang="en-US" smtClean="0"/>
-              <a:t>2019-07-28</a:t>
+              <a:t>2019-10-01</a:t>
             </a:fld>
             <a:endParaRPr lang="ko-KR" altLang="en-US"/>
           </a:p>
@@ -2185,7 +2185,7 @@
           <a:p>
             <a:fld id="{8BFA17A6-FF3B-4E01-B952-AA93C898FF18}" type="datetimeFigureOut">
               <a:rPr lang="ko-KR" altLang="en-US" smtClean="0"/>
-              <a:t>2019-07-28</a:t>
+              <a:t>2019-10-01</a:t>
             </a:fld>
             <a:endParaRPr lang="ko-KR" altLang="en-US"/>
           </a:p>
@@ -2316,7 +2316,7 @@
           <a:p>
             <a:fld id="{8BFA17A6-FF3B-4E01-B952-AA93C898FF18}" type="datetimeFigureOut">
               <a:rPr lang="ko-KR" altLang="en-US" smtClean="0"/>
-              <a:t>2019-07-28</a:t>
+              <a:t>2019-10-01</a:t>
             </a:fld>
             <a:endParaRPr lang="ko-KR" altLang="en-US"/>
           </a:p>
@@ -2416,7 +2416,7 @@
           <a:p>
             <a:fld id="{8BFA17A6-FF3B-4E01-B952-AA93C898FF18}" type="datetimeFigureOut">
               <a:rPr lang="ko-KR" altLang="en-US" smtClean="0"/>
-              <a:t>2019-07-28</a:t>
+              <a:t>2019-10-01</a:t>
             </a:fld>
             <a:endParaRPr lang="ko-KR" altLang="en-US"/>
           </a:p>
@@ -2661,7 +2661,7 @@
           <a:p>
             <a:fld id="{8BFA17A6-FF3B-4E01-B952-AA93C898FF18}" type="datetimeFigureOut">
               <a:rPr lang="ko-KR" altLang="en-US" smtClean="0"/>
-              <a:t>2019-07-28</a:t>
+              <a:t>2019-10-01</a:t>
             </a:fld>
             <a:endParaRPr lang="ko-KR" altLang="en-US"/>
           </a:p>
@@ -2905,7 +2905,7 @@
           <a:p>
             <a:fld id="{8BFA17A6-FF3B-4E01-B952-AA93C898FF18}" type="datetimeFigureOut">
               <a:rPr lang="ko-KR" altLang="en-US" smtClean="0"/>
-              <a:t>2019-07-28</a:t>
+              <a:t>2019-10-01</a:t>
             </a:fld>
             <a:endParaRPr lang="ko-KR" altLang="en-US"/>
           </a:p>
@@ -3729,7 +3729,7 @@
           <a:p>
             <a:fld id="{8BFA17A6-FF3B-4E01-B952-AA93C898FF18}" type="datetimeFigureOut">
               <a:rPr lang="ko-KR" altLang="en-US" smtClean="0"/>
-              <a:t>2019-07-28</a:t>
+              <a:t>2019-10-01</a:t>
             </a:fld>
             <a:endParaRPr lang="ko-KR" altLang="en-US"/>
           </a:p>
@@ -4190,6 +4190,23 @@
               <a:rPr lang="ko-KR" altLang="en-US" dirty="0" err="1" smtClean="0"/>
               <a:t>딥러닝</a:t>
             </a:r>
+            <a:endParaRPr lang="en-US" altLang="ko-KR" dirty="0" smtClean="0"/>
+          </a:p>
+          <a:p>
+            <a:endParaRPr lang="en-US" altLang="ko-KR" dirty="0"/>
+          </a:p>
+          <a:p>
+            <a:endParaRPr lang="en-US" altLang="ko-KR" dirty="0" smtClean="0"/>
+          </a:p>
+          <a:p>
+            <a:r>
+              <a:rPr lang="ko-KR" altLang="en-US" dirty="0" smtClean="0"/>
+              <a:t>김준</a:t>
+            </a:r>
+            <a:r>
+              <a:rPr lang="ko-KR" altLang="en-US" dirty="0"/>
+              <a:t>회</a:t>
+            </a:r>
             <a:endParaRPr lang="ko-KR" altLang="en-US" dirty="0"/>
           </a:p>
         </p:txBody>
